--- a/Tester4.pptx
+++ b/Tester4.pptx
@@ -6,6 +6,7 @@
   </p:sldMasterIdLst>
   <p:sldIdLst>
     <p:sldId id="256" r:id="rId2"/>
+    <p:sldId id="257" r:id="rId3"/>
   </p:sldIdLst>
   <p:sldSz cx="9144000" cy="6858000" type="screen4x3"/>
   <p:notesSz cx="6858000" cy="9144000"/>
@@ -3099,9 +3100,13 @@
           <a:p>
             <a:r>
               <a:rPr lang="en-US" smtClean="0"/>
-              <a:t>Revision 1</a:t>
-            </a:r>
-            <a:endParaRPr lang="en-US"/>
+              <a:t>Revision </a:t>
+            </a:r>
+            <a:r>
+              <a:rPr lang="en-US" smtClean="0"/>
+              <a:t>2</a:t>
+            </a:r>
+            <a:endParaRPr lang="en-US" dirty="0"/>
           </a:p>
         </p:txBody>
       </p:sp>
@@ -3109,6 +3114,102 @@
     <p:extLst>
       <p:ext uri="{BB962C8B-B14F-4D97-AF65-F5344CB8AC3E}">
         <p14:creationId xmlns:p14="http://schemas.microsoft.com/office/powerpoint/2010/main" val="21878529"/>
+      </p:ext>
+    </p:extLst>
+  </p:cSld>
+  <p:clrMapOvr>
+    <a:masterClrMapping/>
+  </p:clrMapOvr>
+</p:sld>
+</file>
+
+<file path=ppt/slides/slide2.xml><?xml version="1.0" encoding="utf-8"?>
+<p:sld xmlns:a="http://schemas.openxmlformats.org/drawingml/2006/main" xmlns:r="http://schemas.openxmlformats.org/officeDocument/2006/relationships" xmlns:p="http://schemas.openxmlformats.org/presentationml/2006/main">
+  <p:cSld>
+    <p:spTree>
+      <p:nvGrpSpPr>
+        <p:cNvPr id="1" name=""/>
+        <p:cNvGrpSpPr/>
+        <p:nvPr/>
+      </p:nvGrpSpPr>
+      <p:grpSpPr>
+        <a:xfrm>
+          <a:off x="0" y="0"/>
+          <a:ext cx="0" cy="0"/>
+          <a:chOff x="0" y="0"/>
+          <a:chExt cx="0" cy="0"/>
+        </a:xfrm>
+      </p:grpSpPr>
+      <p:sp>
+        <p:nvSpPr>
+          <p:cNvPr id="2" name="Title 1"/>
+          <p:cNvSpPr>
+            <a:spLocks noGrp="1"/>
+          </p:cNvSpPr>
+          <p:nvPr>
+            <p:ph type="title"/>
+          </p:nvPr>
+        </p:nvSpPr>
+        <p:spPr/>
+        <p:txBody>
+          <a:bodyPr/>
+          <a:lstStyle/>
+          <a:p>
+            <a:r>
+              <a:rPr lang="en-US" dirty="0" smtClean="0"/>
+              <a:t>Testing a second slide</a:t>
+            </a:r>
+            <a:endParaRPr lang="en-US" dirty="0"/>
+          </a:p>
+        </p:txBody>
+      </p:sp>
+      <p:pic>
+        <p:nvPicPr>
+          <p:cNvPr id="1026" name="Picture 2" descr="C:\Users\Admin\AppData\Local\Microsoft\Windows\Temporary Internet Files\Content.IE5\7UU52U55\MC900082473[1].wmf"/>
+          <p:cNvPicPr>
+            <a:picLocks noGrp="1" noChangeAspect="1" noChangeArrowheads="1"/>
+          </p:cNvPicPr>
+          <p:nvPr>
+            <p:ph idx="1"/>
+          </p:nvPr>
+        </p:nvPicPr>
+        <p:blipFill>
+          <a:blip r:embed="rId2" cstate="print">
+            <a:extLst>
+              <a:ext uri="{28A0092B-C50C-407E-A947-70E740481C1C}">
+                <a14:useLocalDpi xmlns:a14="http://schemas.microsoft.com/office/drawing/2010/main" val="0"/>
+              </a:ext>
+            </a:extLst>
+          </a:blip>
+          <a:srcRect/>
+          <a:stretch>
+            <a:fillRect/>
+          </a:stretch>
+        </p:blipFill>
+        <p:spPr bwMode="auto">
+          <a:xfrm>
+            <a:off x="1066800" y="1276438"/>
+            <a:ext cx="6629400" cy="4892318"/>
+          </a:xfrm>
+          <a:prstGeom prst="rect">
+            <a:avLst/>
+          </a:prstGeom>
+          <a:noFill/>
+          <a:extLst>
+            <a:ext uri="{909E8E84-426E-40DD-AFC4-6F175D3DCCD1}">
+              <a14:hiddenFill xmlns:a14="http://schemas.microsoft.com/office/drawing/2010/main">
+                <a:solidFill>
+                  <a:srgbClr val="FFFFFF"/>
+                </a:solidFill>
+              </a14:hiddenFill>
+            </a:ext>
+          </a:extLst>
+        </p:spPr>
+      </p:pic>
+    </p:spTree>
+    <p:extLst>
+      <p:ext uri="{BB962C8B-B14F-4D97-AF65-F5344CB8AC3E}">
+        <p14:creationId xmlns:p14="http://schemas.microsoft.com/office/powerpoint/2010/main" val="2134946196"/>
       </p:ext>
     </p:extLst>
   </p:cSld>

--- a/Tester4.pptx
+++ b/Tester4.pptx
@@ -7,6 +7,7 @@
   <p:sldIdLst>
     <p:sldId id="256" r:id="rId2"/>
     <p:sldId id="257" r:id="rId3"/>
+    <p:sldId id="258" r:id="rId4"/>
   </p:sldIdLst>
   <p:sldSz cx="9144000" cy="6858000" type="screen4x3"/>
   <p:notesSz cx="6858000" cy="9144000"/>
@@ -2540,9 +2541,33 @@
 <p:sldMaster xmlns:a="http://schemas.openxmlformats.org/drawingml/2006/main" xmlns:r="http://schemas.openxmlformats.org/officeDocument/2006/relationships" xmlns:p="http://schemas.openxmlformats.org/presentationml/2006/main">
   <p:cSld>
     <p:bg>
-      <p:bgRef idx="1001">
-        <a:schemeClr val="bg1"/>
-      </p:bgRef>
+      <p:bgPr>
+        <a:gradFill flip="none" rotWithShape="1">
+          <a:gsLst>
+            <a:gs pos="0">
+              <a:schemeClr val="accent1">
+                <a:tint val="66000"/>
+                <a:satMod val="160000"/>
+              </a:schemeClr>
+            </a:gs>
+            <a:gs pos="50000">
+              <a:schemeClr val="accent1">
+                <a:tint val="44500"/>
+                <a:satMod val="160000"/>
+              </a:schemeClr>
+            </a:gs>
+            <a:gs pos="100000">
+              <a:schemeClr val="accent1">
+                <a:tint val="23500"/>
+                <a:satMod val="160000"/>
+              </a:schemeClr>
+            </a:gs>
+          </a:gsLst>
+          <a:lin ang="5400000" scaled="0"/>
+          <a:tileRect/>
+        </a:gradFill>
+        <a:effectLst/>
+      </p:bgPr>
     </p:bg>
     <p:spTree>
       <p:nvGrpSpPr>
@@ -3046,6 +3071,15 @@
 <file path=ppt/slides/slide1.xml><?xml version="1.0" encoding="utf-8"?>
 <p:sld xmlns:a="http://schemas.openxmlformats.org/drawingml/2006/main" xmlns:r="http://schemas.openxmlformats.org/officeDocument/2006/relationships" xmlns:p="http://schemas.openxmlformats.org/presentationml/2006/main">
   <p:cSld>
+    <p:bg>
+      <p:bgPr>
+        <a:blipFill>
+          <a:blip r:embed="rId2"/>
+          <a:tile tx="0" ty="0" sx="100000" sy="100000" flip="none" algn="tl"/>
+        </a:blipFill>
+        <a:effectLst/>
+      </p:bgPr>
+    </p:bg>
     <p:spTree>
       <p:nvGrpSpPr>
         <p:cNvPr id="1" name=""/>
@@ -3076,10 +3110,28 @@
           <a:lstStyle/>
           <a:p>
             <a:r>
-              <a:rPr lang="en-US" dirty="0" smtClean="0"/>
+              <a:rPr lang="en-US" b="1" u="sng" dirty="0" smtClean="0">
+                <a:effectLst>
+                  <a:outerShdw blurRad="38100" dist="38100" dir="2700000" algn="tl">
+                    <a:srgbClr val="000000">
+                      <a:alpha val="43137"/>
+                    </a:srgbClr>
+                  </a:outerShdw>
+                </a:effectLst>
+                <a:latin typeface="Algerian" panose="04020705040A02060702" pitchFamily="82" charset="0"/>
+              </a:rPr>
               <a:t>Test presentation!</a:t>
             </a:r>
-            <a:endParaRPr lang="en-US" dirty="0"/>
+            <a:endParaRPr lang="en-US" b="1" u="sng" dirty="0">
+              <a:effectLst>
+                <a:outerShdw blurRad="38100" dist="38100" dir="2700000" algn="tl">
+                  <a:srgbClr val="000000">
+                    <a:alpha val="43137"/>
+                  </a:srgbClr>
+                </a:outerShdw>
+              </a:effectLst>
+              <a:latin typeface="Algerian" panose="04020705040A02060702" pitchFamily="82" charset="0"/>
+            </a:endParaRPr>
           </a:p>
         </p:txBody>
       </p:sp>
@@ -3099,14 +3151,26 @@
           <a:lstStyle/>
           <a:p>
             <a:r>
-              <a:rPr lang="en-US" smtClean="0"/>
+              <a:rPr lang="en-US" dirty="0" smtClean="0">
+                <a:solidFill>
+                  <a:srgbClr val="FF0000"/>
+                </a:solidFill>
+              </a:rPr>
               <a:t>Revision </a:t>
             </a:r>
             <a:r>
-              <a:rPr lang="en-US" smtClean="0"/>
-              <a:t>2</a:t>
-            </a:r>
-            <a:endParaRPr lang="en-US" dirty="0"/>
+              <a:rPr lang="en-US" dirty="0">
+                <a:solidFill>
+                  <a:srgbClr val="FF0000"/>
+                </a:solidFill>
+              </a:rPr>
+              <a:t>3</a:t>
+            </a:r>
+            <a:endParaRPr lang="en-US" dirty="0">
+              <a:solidFill>
+                <a:srgbClr val="FF0000"/>
+              </a:solidFill>
+            </a:endParaRPr>
           </a:p>
         </p:txBody>
       </p:sp>
@@ -3210,6 +3274,106 @@
     <p:extLst>
       <p:ext uri="{BB962C8B-B14F-4D97-AF65-F5344CB8AC3E}">
         <p14:creationId xmlns:p14="http://schemas.microsoft.com/office/powerpoint/2010/main" val="2134946196"/>
+      </p:ext>
+    </p:extLst>
+  </p:cSld>
+  <p:clrMapOvr>
+    <a:masterClrMapping/>
+  </p:clrMapOvr>
+</p:sld>
+</file>
+
+<file path=ppt/slides/slide3.xml><?xml version="1.0" encoding="utf-8"?>
+<p:sld xmlns:a="http://schemas.openxmlformats.org/drawingml/2006/main" xmlns:r="http://schemas.openxmlformats.org/officeDocument/2006/relationships" xmlns:p="http://schemas.openxmlformats.org/presentationml/2006/main">
+  <p:cSld>
+    <p:spTree>
+      <p:nvGrpSpPr>
+        <p:cNvPr id="1" name=""/>
+        <p:cNvGrpSpPr/>
+        <p:nvPr/>
+      </p:nvGrpSpPr>
+      <p:grpSpPr>
+        <a:xfrm>
+          <a:off x="0" y="0"/>
+          <a:ext cx="0" cy="0"/>
+          <a:chOff x="0" y="0"/>
+          <a:chExt cx="0" cy="0"/>
+        </a:xfrm>
+      </p:grpSpPr>
+      <p:sp>
+        <p:nvSpPr>
+          <p:cNvPr id="2" name="Title 1"/>
+          <p:cNvSpPr>
+            <a:spLocks noGrp="1"/>
+          </p:cNvSpPr>
+          <p:nvPr>
+            <p:ph type="title"/>
+          </p:nvPr>
+        </p:nvSpPr>
+        <p:spPr/>
+        <p:txBody>
+          <a:bodyPr/>
+          <a:lstStyle/>
+          <a:p>
+            <a:r>
+              <a:rPr lang="en-US" dirty="0" smtClean="0"/>
+              <a:t>Plus a third slide!</a:t>
+            </a:r>
+            <a:endParaRPr lang="en-US" dirty="0"/>
+          </a:p>
+        </p:txBody>
+      </p:sp>
+      <p:sp>
+        <p:nvSpPr>
+          <p:cNvPr id="3" name="Content Placeholder 2"/>
+          <p:cNvSpPr>
+            <a:spLocks noGrp="1"/>
+          </p:cNvSpPr>
+          <p:nvPr>
+            <p:ph idx="1"/>
+          </p:nvPr>
+        </p:nvSpPr>
+        <p:spPr/>
+        <p:txBody>
+          <a:bodyPr/>
+          <a:lstStyle/>
+          <a:p>
+            <a:r>
+              <a:rPr lang="en-US" dirty="0" smtClean="0"/>
+              <a:t>Bullet points!</a:t>
+            </a:r>
+          </a:p>
+          <a:p>
+            <a:r>
+              <a:rPr lang="en-US" dirty="0" smtClean="0"/>
+              <a:t>More bullet points</a:t>
+            </a:r>
+          </a:p>
+          <a:p>
+            <a:r>
+              <a:rPr lang="en-US" dirty="0" smtClean="0"/>
+              <a:t>Even more bullet points</a:t>
+            </a:r>
+          </a:p>
+          <a:p>
+            <a:r>
+              <a:rPr lang="en-US" dirty="0" smtClean="0"/>
+              <a:t>Yet more bullet points</a:t>
+            </a:r>
+          </a:p>
+          <a:p>
+            <a:r>
+              <a:rPr lang="en-US" dirty="0" smtClean="0"/>
+              <a:t>Still more bullet points</a:t>
+            </a:r>
+            <a:endParaRPr lang="en-US" dirty="0"/>
+          </a:p>
+        </p:txBody>
+      </p:sp>
+    </p:spTree>
+    <p:extLst>
+      <p:ext uri="{BB962C8B-B14F-4D97-AF65-F5344CB8AC3E}">
+        <p14:creationId xmlns:p14="http://schemas.microsoft.com/office/powerpoint/2010/main" val="2606256762"/>
       </p:ext>
     </p:extLst>
   </p:cSld>
